--- a/Presentation.pptx
+++ b/Presentation.pptx
@@ -120,9 +120,31 @@
 <file path=ppt/revisionInfo.xml><?xml version="1.0" encoding="utf-8"?>
 <p1510:revInfo xmlns:a="http://schemas.openxmlformats.org/drawingml/2006/main" xmlns:r="http://schemas.openxmlformats.org/officeDocument/2006/relationships" xmlns:p1510="http://schemas.microsoft.com/office/powerpoint/2015/10/main">
   <p1510:revLst>
+    <p1510:client id="{504B028F-91F3-4C52-8CF8-A8C6F36E8B72}" v="1" dt="2019-06-19T13:41:15.998"/>
     <p1510:client id="{57699508-AEE2-42D0-9BF2-0D05B076BA25}" v="264" dt="2019-06-19T13:07:33.899"/>
   </p1510:revLst>
 </p1510:revInfo>
+</file>
+
+<file path=ppt/changesInfos/changesInfo1.xml><?xml version="1.0" encoding="utf-8"?>
+<pc:chgInfo xmlns:a="http://schemas.openxmlformats.org/drawingml/2006/main" xmlns:r="http://schemas.openxmlformats.org/officeDocument/2006/relationships" xmlns:ac="http://schemas.microsoft.com/office/drawing/2013/main/command" xmlns:pc="http://schemas.microsoft.com/office/powerpoint/2013/main/command">
+  <pc:docChgLst>
+    <pc:chgData name="Emil Hermansen" userId="55d0eb5630f45072" providerId="LiveId" clId="{504B028F-91F3-4C52-8CF8-A8C6F36E8B72}"/>
+    <pc:docChg chg="modSld sldOrd">
+      <pc:chgData name="Emil Hermansen" userId="55d0eb5630f45072" providerId="LiveId" clId="{504B028F-91F3-4C52-8CF8-A8C6F36E8B72}" dt="2019-06-19T13:41:15.998" v="0"/>
+      <pc:docMkLst>
+        <pc:docMk/>
+      </pc:docMkLst>
+      <pc:sldChg chg="ord">
+        <pc:chgData name="Emil Hermansen" userId="55d0eb5630f45072" providerId="LiveId" clId="{504B028F-91F3-4C52-8CF8-A8C6F36E8B72}" dt="2019-06-19T13:41:15.998" v="0"/>
+        <pc:sldMkLst>
+          <pc:docMk/>
+          <pc:sldMk cId="1028583810" sldId="261"/>
+        </pc:sldMkLst>
+      </pc:sldChg>
+    </pc:docChg>
+  </pc:docChgLst>
+</pc:chgInfo>
 </file>
 
 <file path=ppt/charts/chart1.xml><?xml version="1.0" encoding="utf-8"?>
@@ -4803,13 +4825,6 @@
           <c:invertIfNegative val="0"/>
           <c:cat>
             <c:numRef>
-              <c:extLst>
-                <c:ext xmlns:c15="http://schemas.microsoft.com/office/drawing/2012/chart" uri="{02D57815-91ED-43cb-92C2-25804820EDAC}">
-                  <c15:fullRef>
-                    <c15:sqref>Sheet1!$A$2:$A$30</c15:sqref>
-                  </c15:fullRef>
-                </c:ext>
-              </c:extLst>
               <c:f>Sheet1!$A$2:$A$30</c:f>
               <c:numCache>
                 <c:formatCode>General</c:formatCode>
@@ -4902,17 +4917,11 @@
                   <c:v>29</c:v>
                 </c:pt>
               </c:numCache>
+              <c:extLst/>
             </c:numRef>
           </c:cat>
           <c:val>
             <c:numRef>
-              <c:extLst>
-                <c:ext xmlns:c15="http://schemas.microsoft.com/office/drawing/2012/chart" uri="{02D57815-91ED-43cb-92C2-25804820EDAC}">
-                  <c15:fullRef>
-                    <c15:sqref>Sheet1!$B$2:$B$30</c15:sqref>
-                  </c15:fullRef>
-                </c:ext>
-              </c:extLst>
               <c:f>Sheet1!$B$2:$B$30</c:f>
               <c:numCache>
                 <c:formatCode>General</c:formatCode>
@@ -5005,6 +5014,7 @@
                   <c:v>10</c:v>
                 </c:pt>
               </c:numCache>
+              <c:extLst/>
             </c:numRef>
           </c:val>
           <c:extLst>
@@ -5057,13 +5067,6 @@
           </c:marker>
           <c:cat>
             <c:numRef>
-              <c:extLst>
-                <c:ext xmlns:c15="http://schemas.microsoft.com/office/drawing/2012/chart" uri="{02D57815-91ED-43cb-92C2-25804820EDAC}">
-                  <c15:fullRef>
-                    <c15:sqref>Sheet1!$A$2:$A$30</c15:sqref>
-                  </c15:fullRef>
-                </c:ext>
-              </c:extLst>
               <c:f>Sheet1!$A$2:$A$30</c:f>
               <c:numCache>
                 <c:formatCode>General</c:formatCode>
@@ -5156,17 +5159,11 @@
                   <c:v>29</c:v>
                 </c:pt>
               </c:numCache>
+              <c:extLst/>
             </c:numRef>
           </c:cat>
           <c:val>
             <c:numRef>
-              <c:extLst>
-                <c:ext xmlns:c15="http://schemas.microsoft.com/office/drawing/2012/chart" uri="{02D57815-91ED-43cb-92C2-25804820EDAC}">
-                  <c15:fullRef>
-                    <c15:sqref>Sheet1!$C$2:$C$30</c15:sqref>
-                  </c15:fullRef>
-                </c:ext>
-              </c:extLst>
               <c:f>Sheet1!$C$2:$C$30</c:f>
               <c:numCache>
                 <c:formatCode>General</c:formatCode>
@@ -5196,6 +5193,7 @@
                   <c:v>19.666666666666668</c:v>
                 </c:pt>
               </c:numCache>
+              <c:extLst/>
             </c:numRef>
           </c:val>
           <c:smooth val="0"/>
@@ -5233,13 +5231,6 @@
           </c:marker>
           <c:cat>
             <c:numRef>
-              <c:extLst>
-                <c:ext xmlns:c15="http://schemas.microsoft.com/office/drawing/2012/chart" uri="{02D57815-91ED-43cb-92C2-25804820EDAC}">
-                  <c15:fullRef>
-                    <c15:sqref>Sheet1!$A$2:$A$30</c15:sqref>
-                  </c15:fullRef>
-                </c:ext>
-              </c:extLst>
               <c:f>Sheet1!$A$2:$A$30</c:f>
               <c:numCache>
                 <c:formatCode>General</c:formatCode>
@@ -5332,17 +5323,11 @@
                   <c:v>29</c:v>
                 </c:pt>
               </c:numCache>
+              <c:extLst/>
             </c:numRef>
           </c:cat>
           <c:val>
             <c:numRef>
-              <c:extLst>
-                <c:ext xmlns:c15="http://schemas.microsoft.com/office/drawing/2012/chart" uri="{02D57815-91ED-43cb-92C2-25804820EDAC}">
-                  <c15:fullRef>
-                    <c15:sqref>Sheet1!$D$2:$D$30</c15:sqref>
-                  </c15:fullRef>
-                </c:ext>
-              </c:extLst>
               <c:f>Sheet1!$D$2:$D$30</c:f>
               <c:numCache>
                 <c:formatCode>General</c:formatCode>
@@ -5372,6 +5357,7 @@
                   <c:v>20.333333333333332</c:v>
                 </c:pt>
               </c:numCache>
+              <c:extLst/>
             </c:numRef>
           </c:val>
           <c:smooth val="0"/>
@@ -5409,13 +5395,6 @@
           </c:marker>
           <c:cat>
             <c:numRef>
-              <c:extLst>
-                <c:ext xmlns:c15="http://schemas.microsoft.com/office/drawing/2012/chart" uri="{02D57815-91ED-43cb-92C2-25804820EDAC}">
-                  <c15:fullRef>
-                    <c15:sqref>Sheet1!$A$2:$A$30</c15:sqref>
-                  </c15:fullRef>
-                </c:ext>
-              </c:extLst>
               <c:f>Sheet1!$A$2:$A$30</c:f>
               <c:numCache>
                 <c:formatCode>General</c:formatCode>
@@ -5508,17 +5487,11 @@
                   <c:v>29</c:v>
                 </c:pt>
               </c:numCache>
+              <c:extLst/>
             </c:numRef>
           </c:cat>
           <c:val>
             <c:numRef>
-              <c:extLst>
-                <c:ext xmlns:c15="http://schemas.microsoft.com/office/drawing/2012/chart" uri="{02D57815-91ED-43cb-92C2-25804820EDAC}">
-                  <c15:fullRef>
-                    <c15:sqref>Sheet1!$E$2:$E$30</c15:sqref>
-                  </c15:fullRef>
-                </c:ext>
-              </c:extLst>
               <c:f>Sheet1!$E$2:$E$30</c:f>
               <c:numCache>
                 <c:formatCode>General</c:formatCode>
@@ -5548,6 +5521,7 @@
                   <c:v>20</c:v>
                 </c:pt>
               </c:numCache>
+              <c:extLst/>
             </c:numRef>
           </c:val>
           <c:smooth val="0"/>
@@ -5585,13 +5559,6 @@
           </c:marker>
           <c:cat>
             <c:numRef>
-              <c:extLst>
-                <c:ext xmlns:c15="http://schemas.microsoft.com/office/drawing/2012/chart" uri="{02D57815-91ED-43cb-92C2-25804820EDAC}">
-                  <c15:fullRef>
-                    <c15:sqref>Sheet1!$A$2:$A$30</c15:sqref>
-                  </c15:fullRef>
-                </c:ext>
-              </c:extLst>
               <c:f>Sheet1!$A$2:$A$30</c:f>
               <c:numCache>
                 <c:formatCode>General</c:formatCode>
@@ -5684,17 +5651,11 @@
                   <c:v>29</c:v>
                 </c:pt>
               </c:numCache>
+              <c:extLst/>
             </c:numRef>
           </c:cat>
           <c:val>
             <c:numRef>
-              <c:extLst>
-                <c:ext xmlns:c15="http://schemas.microsoft.com/office/drawing/2012/chart" uri="{02D57815-91ED-43cb-92C2-25804820EDAC}">
-                  <c15:fullRef>
-                    <c15:sqref>Sheet1!$F$2:$F$30</c15:sqref>
-                  </c15:fullRef>
-                </c:ext>
-              </c:extLst>
               <c:f>Sheet1!$F$2:$F$30</c:f>
               <c:numCache>
                 <c:formatCode>General</c:formatCode>
@@ -5724,6 +5685,7 @@
                   <c:v>19.666666666666668</c:v>
                 </c:pt>
               </c:numCache>
+              <c:extLst/>
             </c:numRef>
           </c:val>
           <c:smooth val="0"/>
@@ -5761,13 +5723,6 @@
           </c:marker>
           <c:cat>
             <c:numRef>
-              <c:extLst>
-                <c:ext xmlns:c15="http://schemas.microsoft.com/office/drawing/2012/chart" uri="{02D57815-91ED-43cb-92C2-25804820EDAC}">
-                  <c15:fullRef>
-                    <c15:sqref>Sheet1!$A$2:$A$30</c15:sqref>
-                  </c15:fullRef>
-                </c:ext>
-              </c:extLst>
               <c:f>Sheet1!$A$2:$A$30</c:f>
               <c:numCache>
                 <c:formatCode>General</c:formatCode>
@@ -5860,17 +5815,11 @@
                   <c:v>29</c:v>
                 </c:pt>
               </c:numCache>
+              <c:extLst/>
             </c:numRef>
           </c:cat>
           <c:val>
             <c:numRef>
-              <c:extLst>
-                <c:ext xmlns:c15="http://schemas.microsoft.com/office/drawing/2012/chart" uri="{02D57815-91ED-43cb-92C2-25804820EDAC}">
-                  <c15:fullRef>
-                    <c15:sqref>Sheet1!$G$2:$G$30</c15:sqref>
-                  </c15:fullRef>
-                </c:ext>
-              </c:extLst>
               <c:f>Sheet1!$G$2:$G$30</c:f>
               <c:numCache>
                 <c:formatCode>General</c:formatCode>
@@ -5900,6 +5849,7 @@
                   <c:v>21.666666666666668</c:v>
                 </c:pt>
               </c:numCache>
+              <c:extLst/>
             </c:numRef>
           </c:val>
           <c:smooth val="0"/>
@@ -5937,13 +5887,6 @@
           </c:marker>
           <c:cat>
             <c:numRef>
-              <c:extLst>
-                <c:ext xmlns:c15="http://schemas.microsoft.com/office/drawing/2012/chart" uri="{02D57815-91ED-43cb-92C2-25804820EDAC}">
-                  <c15:fullRef>
-                    <c15:sqref>Sheet1!$A$2:$A$30</c15:sqref>
-                  </c15:fullRef>
-                </c:ext>
-              </c:extLst>
               <c:f>Sheet1!$A$2:$A$30</c:f>
               <c:numCache>
                 <c:formatCode>General</c:formatCode>
@@ -6036,17 +5979,11 @@
                   <c:v>29</c:v>
                 </c:pt>
               </c:numCache>
+              <c:extLst/>
             </c:numRef>
           </c:cat>
           <c:val>
             <c:numRef>
-              <c:extLst>
-                <c:ext xmlns:c15="http://schemas.microsoft.com/office/drawing/2012/chart" uri="{02D57815-91ED-43cb-92C2-25804820EDAC}">
-                  <c15:fullRef>
-                    <c15:sqref>Sheet1!$H$2:$H$30</c15:sqref>
-                  </c15:fullRef>
-                </c:ext>
-              </c:extLst>
               <c:f>Sheet1!$H$2:$H$30</c:f>
               <c:numCache>
                 <c:formatCode>General</c:formatCode>
@@ -6076,6 +6013,7 @@
                   <c:v>16.25</c:v>
                 </c:pt>
               </c:numCache>
+              <c:extLst/>
             </c:numRef>
           </c:val>
           <c:smooth val="0"/>
@@ -6113,13 +6051,6 @@
           </c:marker>
           <c:cat>
             <c:numRef>
-              <c:extLst>
-                <c:ext xmlns:c15="http://schemas.microsoft.com/office/drawing/2012/chart" uri="{02D57815-91ED-43cb-92C2-25804820EDAC}">
-                  <c15:fullRef>
-                    <c15:sqref>Sheet1!$A$2:$A$30</c15:sqref>
-                  </c15:fullRef>
-                </c:ext>
-              </c:extLst>
               <c:f>Sheet1!$A$2:$A$30</c:f>
               <c:numCache>
                 <c:formatCode>General</c:formatCode>
@@ -6212,17 +6143,11 @@
                   <c:v>29</c:v>
                 </c:pt>
               </c:numCache>
+              <c:extLst/>
             </c:numRef>
           </c:cat>
           <c:val>
             <c:numRef>
-              <c:extLst>
-                <c:ext xmlns:c15="http://schemas.microsoft.com/office/drawing/2012/chart" uri="{02D57815-91ED-43cb-92C2-25804820EDAC}">
-                  <c15:fullRef>
-                    <c15:sqref>Sheet1!$I$2:$I$30</c15:sqref>
-                  </c15:fullRef>
-                </c:ext>
-              </c:extLst>
               <c:f>Sheet1!$I$2:$I$30</c:f>
               <c:numCache>
                 <c:formatCode>General</c:formatCode>
@@ -6252,6 +6177,7 @@
                   <c:v>16.25</c:v>
                 </c:pt>
               </c:numCache>
+              <c:extLst/>
             </c:numRef>
           </c:val>
           <c:smooth val="0"/>
@@ -6385,25 +6311,13 @@
             </c:strLit>
           </c:cat>
           <c:val>
-            <c:numRef>
-              <c:extLst>
-                <c:ext xmlns:c16="http://schemas.microsoft.com/office/drawing/2014/chart" uri="{F5D05F6E-A05E-4728-AFD3-386EB277150F}">
-                  <c16:filteredLitCache>
-                    <c:numCache>
-                      <c:ptCount val="0"/>
-                    </c:numCache>
-                  </c16:filteredLitCache>
-                </c:ext>
-              </c:extLst>
-              <c:f/>
-              <c:numCache>
-                <c:formatCode>General</c:formatCode>
-                <c:ptCount val="1"/>
-                <c:pt idx="0">
-                  <c:v>1</c:v>
-                </c:pt>
-              </c:numCache>
-            </c:numRef>
+            <c:numLit>
+              <c:formatCode>General</c:formatCode>
+              <c:ptCount val="1"/>
+              <c:pt idx="0">
+                <c:v>1</c:v>
+              </c:pt>
+            </c:numLit>
           </c:val>
           <c:smooth val="0"/>
           <c:extLst>
@@ -6537,13 +6451,6 @@
           </c:cat>
           <c:val>
             <c:numRef>
-              <c:extLst>
-                <c:ext xmlns:c15="http://schemas.microsoft.com/office/drawing/2012/chart" uri="{02D57815-91ED-43cb-92C2-25804820EDAC}">
-                  <c15:fullRef>
-                    <c15:sqref>Sheet1!$J$2:$J$30</c15:sqref>
-                  </c15:fullRef>
-                </c:ext>
-              </c:extLst>
               <c:f>Sheet1!$J$2:$J$30</c:f>
               <c:numCache>
                 <c:formatCode>General</c:formatCode>
@@ -6573,6 +6480,7 @@
                   <c:v>16.25</c:v>
                 </c:pt>
               </c:numCache>
+              <c:extLst/>
             </c:numRef>
           </c:val>
           <c:smooth val="0"/>
@@ -6707,13 +6615,6 @@
           </c:cat>
           <c:val>
             <c:numRef>
-              <c:extLst>
-                <c:ext xmlns:c15="http://schemas.microsoft.com/office/drawing/2012/chart" uri="{02D57815-91ED-43cb-92C2-25804820EDAC}">
-                  <c15:fullRef>
-                    <c15:sqref>Sheet1!$K$2:$K$30</c15:sqref>
-                  </c15:fullRef>
-                </c:ext>
-              </c:extLst>
               <c:f>Sheet1!$K$2:$K$30</c:f>
               <c:numCache>
                 <c:formatCode>General</c:formatCode>
@@ -6743,6 +6644,7 @@
                   <c:v>16.25</c:v>
                 </c:pt>
               </c:numCache>
+              <c:extLst/>
             </c:numRef>
           </c:val>
           <c:smooth val="0"/>
@@ -6877,14 +6779,7 @@
           </c:cat>
           <c:val>
             <c:numRef>
-              <c:extLst>
-                <c:ext xmlns:c15="http://schemas.microsoft.com/office/drawing/2012/chart" uri="{02D57815-91ED-43cb-92C2-25804820EDAC}">
-                  <c15:fullRef>
-                    <c15:sqref>Sheet1!$L$2:$L$31</c15:sqref>
-                  </c15:fullRef>
-                </c:ext>
-              </c:extLst>
-              <c:f>Sheet1!$L$2:$L$30</c:f>
+              <c:f>Sheet1!$L$2:$L$31</c:f>
               <c:numCache>
                 <c:formatCode>General</c:formatCode>
                 <c:ptCount val="29"/>
@@ -6913,6 +6808,7 @@
                   <c:v>16.25</c:v>
                 </c:pt>
               </c:numCache>
+              <c:extLst/>
             </c:numRef>
           </c:val>
           <c:smooth val="0"/>
@@ -7047,14 +6943,7 @@
           </c:cat>
           <c:val>
             <c:numRef>
-              <c:extLst>
-                <c:ext xmlns:c15="http://schemas.microsoft.com/office/drawing/2012/chart" uri="{02D57815-91ED-43cb-92C2-25804820EDAC}">
-                  <c15:fullRef>
-                    <c15:sqref>Sheet1!$M$2:$M$31</c15:sqref>
-                  </c15:fullRef>
-                </c:ext>
-              </c:extLst>
-              <c:f>Sheet1!$M$2:$M$30</c:f>
+              <c:f>Sheet1!$M$2:$M$31</c:f>
               <c:numCache>
                 <c:formatCode>General</c:formatCode>
                 <c:ptCount val="29"/>
@@ -7083,6 +6972,7 @@
                   <c:v>59</c:v>
                 </c:pt>
               </c:numCache>
+              <c:extLst/>
             </c:numRef>
           </c:val>
           <c:smooth val="0"/>
@@ -7217,14 +7107,7 @@
           </c:cat>
           <c:val>
             <c:numRef>
-              <c:extLst>
-                <c:ext xmlns:c15="http://schemas.microsoft.com/office/drawing/2012/chart" uri="{02D57815-91ED-43cb-92C2-25804820EDAC}">
-                  <c15:fullRef>
-                    <c15:sqref>Sheet1!$N$2:$N$31</c15:sqref>
-                  </c15:fullRef>
-                </c:ext>
-              </c:extLst>
-              <c:f>Sheet1!$N$2:$N$30</c:f>
+              <c:f>Sheet1!$N$2:$N$31</c:f>
               <c:numCache>
                 <c:formatCode>General</c:formatCode>
                 <c:ptCount val="29"/>
@@ -7253,6 +7136,7 @@
                   <c:v>64.333333333333329</c:v>
                 </c:pt>
               </c:numCache>
+              <c:extLst/>
             </c:numRef>
           </c:val>
           <c:smooth val="0"/>
@@ -7387,14 +7271,7 @@
           </c:cat>
           <c:val>
             <c:numRef>
-              <c:extLst>
-                <c:ext xmlns:c15="http://schemas.microsoft.com/office/drawing/2012/chart" uri="{02D57815-91ED-43cb-92C2-25804820EDAC}">
-                  <c15:fullRef>
-                    <c15:sqref>Sheet1!$O$2:$O$31</c15:sqref>
-                  </c15:fullRef>
-                </c:ext>
-              </c:extLst>
-              <c:f>Sheet1!$O$2:$O$30</c:f>
+              <c:f>Sheet1!$O$2:$O$31</c:f>
               <c:numCache>
                 <c:formatCode>General</c:formatCode>
                 <c:ptCount val="29"/>
@@ -7423,6 +7300,7 @@
                   <c:v>63.666666666666664</c:v>
                 </c:pt>
               </c:numCache>
+              <c:extLst/>
             </c:numRef>
           </c:val>
           <c:smooth val="0"/>
@@ -7557,14 +7435,7 @@
           </c:cat>
           <c:val>
             <c:numRef>
-              <c:extLst>
-                <c:ext xmlns:c15="http://schemas.microsoft.com/office/drawing/2012/chart" uri="{02D57815-91ED-43cb-92C2-25804820EDAC}">
-                  <c15:fullRef>
-                    <c15:sqref>Sheet1!$P$2:$P$31</c15:sqref>
-                  </c15:fullRef>
-                </c:ext>
-              </c:extLst>
-              <c:f>Sheet1!$P$2:$P$30</c:f>
+              <c:f>Sheet1!$P$2:$P$31</c:f>
               <c:numCache>
                 <c:formatCode>General</c:formatCode>
                 <c:ptCount val="29"/>
@@ -7593,6 +7464,7 @@
                   <c:v>62.666666666666664</c:v>
                 </c:pt>
               </c:numCache>
+              <c:extLst/>
             </c:numRef>
           </c:val>
           <c:smooth val="0"/>
@@ -7727,14 +7599,7 @@
           </c:cat>
           <c:val>
             <c:numRef>
-              <c:extLst>
-                <c:ext xmlns:c15="http://schemas.microsoft.com/office/drawing/2012/chart" uri="{02D57815-91ED-43cb-92C2-25804820EDAC}">
-                  <c15:fullRef>
-                    <c15:sqref>Sheet1!$Q$2:$Q$31</c15:sqref>
-                  </c15:fullRef>
-                </c:ext>
-              </c:extLst>
-              <c:f>Sheet1!$Q$2:$Q$30</c:f>
+              <c:f>Sheet1!$Q$2:$Q$31</c:f>
               <c:numCache>
                 <c:formatCode>General</c:formatCode>
                 <c:ptCount val="29"/>
@@ -7763,6 +7628,7 @@
                   <c:v>58.333333333333336</c:v>
                 </c:pt>
               </c:numCache>
+              <c:extLst/>
             </c:numRef>
           </c:val>
           <c:smooth val="0"/>
@@ -7897,14 +7763,7 @@
           </c:cat>
           <c:val>
             <c:numRef>
-              <c:extLst>
-                <c:ext xmlns:c15="http://schemas.microsoft.com/office/drawing/2012/chart" uri="{02D57815-91ED-43cb-92C2-25804820EDAC}">
-                  <c15:fullRef>
-                    <c15:sqref>Sheet1!$R$2:$R$31</c15:sqref>
-                  </c15:fullRef>
-                </c:ext>
-              </c:extLst>
-              <c:f>Sheet1!$R$2:$R$30</c:f>
+              <c:f>Sheet1!$R$2:$R$31</c:f>
               <c:numCache>
                 <c:formatCode>General</c:formatCode>
                 <c:ptCount val="29"/>
@@ -7933,6 +7792,7 @@
                   <c:v>51.666666666666664</c:v>
                 </c:pt>
               </c:numCache>
+              <c:extLst/>
             </c:numRef>
           </c:val>
           <c:smooth val="0"/>
@@ -8067,14 +7927,7 @@
           </c:cat>
           <c:val>
             <c:numRef>
-              <c:extLst>
-                <c:ext xmlns:c15="http://schemas.microsoft.com/office/drawing/2012/chart" uri="{02D57815-91ED-43cb-92C2-25804820EDAC}">
-                  <c15:fullRef>
-                    <c15:sqref>Sheet1!$S$2:$S$31</c15:sqref>
-                  </c15:fullRef>
-                </c:ext>
-              </c:extLst>
-              <c:f>Sheet1!$S$2:$S$30</c:f>
+              <c:f>Sheet1!$S$2:$S$31</c:f>
               <c:numCache>
                 <c:formatCode>General</c:formatCode>
                 <c:ptCount val="29"/>
@@ -8103,6 +7956,7 @@
                   <c:v>43.666666666666664</c:v>
                 </c:pt>
               </c:numCache>
+              <c:extLst/>
             </c:numRef>
           </c:val>
           <c:smooth val="0"/>
@@ -8237,14 +8091,7 @@
           </c:cat>
           <c:val>
             <c:numRef>
-              <c:extLst>
-                <c:ext xmlns:c15="http://schemas.microsoft.com/office/drawing/2012/chart" uri="{02D57815-91ED-43cb-92C2-25804820EDAC}">
-                  <c15:fullRef>
-                    <c15:sqref>Sheet1!$T$2:$T$31</c15:sqref>
-                  </c15:fullRef>
-                </c:ext>
-              </c:extLst>
-              <c:f>Sheet1!$T$2:$T$30</c:f>
+              <c:f>Sheet1!$T$2:$T$31</c:f>
               <c:numCache>
                 <c:formatCode>General</c:formatCode>
                 <c:ptCount val="29"/>
@@ -8273,6 +8120,7 @@
                   <c:v>39.333333333333336</c:v>
                 </c:pt>
               </c:numCache>
+              <c:extLst/>
             </c:numRef>
           </c:val>
           <c:smooth val="0"/>
@@ -8407,14 +8255,7 @@
           </c:cat>
           <c:val>
             <c:numRef>
-              <c:extLst>
-                <c:ext xmlns:c15="http://schemas.microsoft.com/office/drawing/2012/chart" uri="{02D57815-91ED-43cb-92C2-25804820EDAC}">
-                  <c15:fullRef>
-                    <c15:sqref>Sheet1!$U$2:$U$31</c15:sqref>
-                  </c15:fullRef>
-                </c:ext>
-              </c:extLst>
-              <c:f>Sheet1!$U$2:$U$30</c:f>
+              <c:f>Sheet1!$U$2:$U$31</c:f>
               <c:numCache>
                 <c:formatCode>General</c:formatCode>
                 <c:ptCount val="29"/>
@@ -8443,6 +8284,7 @@
                   <c:v>36.666666666666664</c:v>
                 </c:pt>
               </c:numCache>
+              <c:extLst/>
             </c:numRef>
           </c:val>
           <c:smooth val="0"/>
@@ -8577,14 +8419,7 @@
           </c:cat>
           <c:val>
             <c:numRef>
-              <c:extLst>
-                <c:ext xmlns:c15="http://schemas.microsoft.com/office/drawing/2012/chart" uri="{02D57815-91ED-43cb-92C2-25804820EDAC}">
-                  <c15:fullRef>
-                    <c15:sqref>Sheet1!$V$2:$V$31</c15:sqref>
-                  </c15:fullRef>
-                </c:ext>
-              </c:extLst>
-              <c:f>Sheet1!$V$2:$V$30</c:f>
+              <c:f>Sheet1!$V$2:$V$31</c:f>
               <c:numCache>
                 <c:formatCode>General</c:formatCode>
                 <c:ptCount val="29"/>
@@ -8613,6 +8448,7 @@
                   <c:v>33.333333333333336</c:v>
                 </c:pt>
               </c:numCache>
+              <c:extLst/>
             </c:numRef>
           </c:val>
           <c:smooth val="0"/>
@@ -8747,14 +8583,7 @@
           </c:cat>
           <c:val>
             <c:numRef>
-              <c:extLst>
-                <c:ext xmlns:c15="http://schemas.microsoft.com/office/drawing/2012/chart" uri="{02D57815-91ED-43cb-92C2-25804820EDAC}">
-                  <c15:fullRef>
-                    <c15:sqref>Sheet1!$W$2:$W$31</c15:sqref>
-                  </c15:fullRef>
-                </c:ext>
-              </c:extLst>
-              <c:f>Sheet1!$W$2:$W$30</c:f>
+              <c:f>Sheet1!$W$2:$W$31</c:f>
               <c:numCache>
                 <c:formatCode>General</c:formatCode>
                 <c:ptCount val="29"/>
@@ -8783,6 +8612,7 @@
                   <c:v>30.333333333333332</c:v>
                 </c:pt>
               </c:numCache>
+              <c:extLst/>
             </c:numRef>
           </c:val>
           <c:smooth val="0"/>
@@ -8917,14 +8747,7 @@
           </c:cat>
           <c:val>
             <c:numRef>
-              <c:extLst>
-                <c:ext xmlns:c15="http://schemas.microsoft.com/office/drawing/2012/chart" uri="{02D57815-91ED-43cb-92C2-25804820EDAC}">
-                  <c15:fullRef>
-                    <c15:sqref>Sheet1!$X$2:$X$36</c15:sqref>
-                  </c15:fullRef>
-                </c:ext>
-              </c:extLst>
-              <c:f>Sheet1!$X$2:$X$30</c:f>
+              <c:f>Sheet1!$X$2:$X$36</c:f>
               <c:numCache>
                 <c:formatCode>General</c:formatCode>
                 <c:ptCount val="29"/>
@@ -8950,6 +8773,7 @@
                   <c:v>28.333333333333332</c:v>
                 </c:pt>
               </c:numCache>
+              <c:extLst/>
             </c:numRef>
           </c:val>
           <c:smooth val="0"/>
@@ -9084,14 +8908,7 @@
           </c:cat>
           <c:val>
             <c:numRef>
-              <c:extLst>
-                <c:ext xmlns:c15="http://schemas.microsoft.com/office/drawing/2012/chart" uri="{02D57815-91ED-43cb-92C2-25804820EDAC}">
-                  <c15:fullRef>
-                    <c15:sqref>Sheet1!$Y$2:$Y$37</c15:sqref>
-                  </c15:fullRef>
-                </c:ext>
-              </c:extLst>
-              <c:f>Sheet1!$Y$2:$Y$30</c:f>
+              <c:f>Sheet1!$Y$2:$Y$37</c:f>
               <c:numCache>
                 <c:formatCode>General</c:formatCode>
                 <c:ptCount val="29"/>
@@ -9114,6 +8931,7 @@
                   <c:v>13.833333333333334</c:v>
                 </c:pt>
               </c:numCache>
+              <c:extLst/>
             </c:numRef>
           </c:val>
           <c:smooth val="0"/>
@@ -9248,14 +9066,7 @@
           </c:cat>
           <c:val>
             <c:numRef>
-              <c:extLst>
-                <c:ext xmlns:c15="http://schemas.microsoft.com/office/drawing/2012/chart" uri="{02D57815-91ED-43cb-92C2-25804820EDAC}">
-                  <c15:fullRef>
-                    <c15:sqref>Sheet1!$Z$2:$Z$36</c15:sqref>
-                  </c15:fullRef>
-                </c:ext>
-              </c:extLst>
-              <c:f>Sheet1!$Z$2:$Z$30</c:f>
+              <c:f>Sheet1!$Z$2:$Z$36</c:f>
               <c:numCache>
                 <c:formatCode>General</c:formatCode>
                 <c:ptCount val="29"/>
@@ -9278,6 +9089,7 @@
                   <c:v>12.166666666666666</c:v>
                 </c:pt>
               </c:numCache>
+              <c:extLst/>
             </c:numRef>
           </c:val>
           <c:smooth val="0"/>
